--- a/Complimentary Course Content/Module1/Lessons/Module1_Lesson4 How to start Azure.pptx
+++ b/Complimentary Course Content/Module1/Lessons/Module1_Lesson4 How to start Azure.pptx
@@ -154,7 +154,7 @@
       </p14:sectionLst>
     </p:ext>
     <p:ext uri="{EFAFB233-063F-42B5-8137-9DF3F51BA10A}">
-      <p15:sldGuideLst xmlns="" xmlns:p15="http://schemas.microsoft.com/office/powerpoint/2012/main">
+      <p15:sldGuideLst xmlns:p15="http://schemas.microsoft.com/office/powerpoint/2012/main" xmlns="">
         <p15:guide id="1" orient="horz" pos="2160">
           <p15:clr>
             <a:srgbClr val="A4A3A4"/>
@@ -261,7 +261,7 @@
             <a:fld id="{2E5CA586-3557-4985-BCD4-35EF5AC8B4A4}" type="datetimeFigureOut">
               <a:rPr lang="en-US" smtClean="0"/>
               <a:pPr/>
-              <a:t>6/23/16</a:t>
+              <a:t>7/1/16</a:t>
             </a:fld>
             <a:endParaRPr lang="en-US"/>
           </a:p>
@@ -2752,20 +2752,8 @@
               <a:t>computerscience</a:t>
             </a:r>
             <a:r>
-              <a:rPr lang="en-US" dirty="0" smtClean="0"/>
-              <a:t>/tree/master/Instructor-</a:t>
-            </a:r>
-            <a:r>
-              <a:rPr lang="en-US" dirty="0" smtClean="0"/>
-              <a:t>Led</a:t>
-            </a:r>
-            <a:r>
               <a:rPr lang="en-US" smtClean="0"/>
-              <a:t>/Module1/</a:t>
-            </a:r>
-            <a:r>
-              <a:rPr lang="en-US" dirty="0" smtClean="0"/>
-              <a:t>Labs</a:t>
+              <a:t>/tree/master/Complimentary%20Course%20Content/Module1/Labs</a:t>
             </a:r>
             <a:endParaRPr lang="en-US" dirty="0" smtClean="0"/>
           </a:p>
@@ -23600,7 +23588,7 @@
                 <a:latin typeface="Segoe UI"/>
               </a:rPr>
               <a:pPr/>
-              <a:t>6/23/16</a:t>
+              <a:t>7/1/16</a:t>
             </a:fld>
             <a:endParaRPr lang="en-US">
               <a:solidFill>
@@ -23805,7 +23793,7 @@
                 <a:latin typeface="Segoe UI"/>
               </a:rPr>
               <a:pPr/>
-              <a:t>6/23/16</a:t>
+              <a:t>7/1/16</a:t>
             </a:fld>
             <a:endParaRPr lang="en-US">
               <a:solidFill>
@@ -24103,7 +24091,7 @@
                 <a:latin typeface="Segoe UI"/>
               </a:rPr>
               <a:pPr/>
-              <a:t>6/23/16</a:t>
+              <a:t>7/1/16</a:t>
             </a:fld>
             <a:endParaRPr lang="en-US">
               <a:solidFill>
@@ -24447,7 +24435,7 @@
                 <a:latin typeface="Segoe UI"/>
               </a:rPr>
               <a:pPr/>
-              <a:t>6/23/16</a:t>
+              <a:t>7/1/16</a:t>
             </a:fld>
             <a:endParaRPr lang="en-US">
               <a:solidFill>
@@ -24822,7 +24810,7 @@
                 <a:latin typeface="Segoe UI"/>
               </a:rPr>
               <a:pPr/>
-              <a:t>6/23/16</a:t>
+              <a:t>7/1/16</a:t>
             </a:fld>
             <a:endParaRPr lang="en-US">
               <a:solidFill>
@@ -26329,7 +26317,7 @@
                 <a:latin typeface="Segoe UI"/>
               </a:rPr>
               <a:pPr/>
-              <a:t>6/23/16</a:t>
+              <a:t>7/1/16</a:t>
             </a:fld>
             <a:endParaRPr lang="en-US">
               <a:solidFill>
@@ -26730,7 +26718,7 @@
                 <a:latin typeface="Segoe UI"/>
               </a:rPr>
               <a:pPr/>
-              <a:t>6/23/16</a:t>
+              <a:t>7/1/16</a:t>
             </a:fld>
             <a:endParaRPr lang="en-US">
               <a:solidFill>
@@ -26884,7 +26872,7 @@
                 <a:latin typeface="Segoe UI"/>
               </a:rPr>
               <a:pPr/>
-              <a:t>6/23/16</a:t>
+              <a:t>7/1/16</a:t>
             </a:fld>
             <a:endParaRPr lang="en-US">
               <a:solidFill>
@@ -27016,7 +27004,7 @@
                 <a:latin typeface="Segoe UI"/>
               </a:rPr>
               <a:pPr/>
-              <a:t>6/23/16</a:t>
+              <a:t>7/1/16</a:t>
             </a:fld>
             <a:endParaRPr lang="en-US">
               <a:solidFill>
@@ -27328,7 +27316,7 @@
                 <a:latin typeface="Segoe UI"/>
               </a:rPr>
               <a:pPr/>
-              <a:t>6/23/16</a:t>
+              <a:t>7/1/16</a:t>
             </a:fld>
             <a:endParaRPr lang="en-US">
               <a:solidFill>
@@ -27617,7 +27605,7 @@
                 <a:latin typeface="Segoe UI"/>
               </a:rPr>
               <a:pPr/>
-              <a:t>6/23/16</a:t>
+              <a:t>7/1/16</a:t>
             </a:fld>
             <a:endParaRPr lang="en-US">
               <a:solidFill>
@@ -27822,7 +27810,7 @@
                 <a:latin typeface="Segoe UI"/>
               </a:rPr>
               <a:pPr/>
-              <a:t>6/23/16</a:t>
+              <a:t>7/1/16</a:t>
             </a:fld>
             <a:endParaRPr lang="en-US">
               <a:solidFill>
@@ -28037,7 +28025,7 @@
                 <a:latin typeface="Segoe UI"/>
               </a:rPr>
               <a:pPr/>
-              <a:t>6/23/16</a:t>
+              <a:t>7/1/16</a:t>
             </a:fld>
             <a:endParaRPr lang="en-US">
               <a:solidFill>
@@ -30836,7 +30824,7 @@
                 <a:latin typeface="Segoe UI"/>
               </a:rPr>
               <a:pPr/>
-              <a:t>6/23/16</a:t>
+              <a:t>7/1/16</a:t>
             </a:fld>
             <a:endParaRPr lang="en-US">
               <a:solidFill>
@@ -36171,14 +36159,14 @@
                 <a:gridCol w="5089072">
                   <a:extLst>
                     <a:ext uri="{9D8B030D-6E8A-4147-A177-3AD203B41FA5}">
-                      <a16:colId xmlns="" xmlns:a16="http://schemas.microsoft.com/office/drawing/2014/main" val="48614039"/>
+                      <a16:colId xmlns:a16="http://schemas.microsoft.com/office/drawing/2014/main" xmlns="" val="48614039"/>
                     </a:ext>
                   </a:extLst>
                 </a:gridCol>
                 <a:gridCol w="5089072">
                   <a:extLst>
                     <a:ext uri="{9D8B030D-6E8A-4147-A177-3AD203B41FA5}">
-                      <a16:colId xmlns="" xmlns:a16="http://schemas.microsoft.com/office/drawing/2014/main" val="20001"/>
+                      <a16:colId xmlns:a16="http://schemas.microsoft.com/office/drawing/2014/main" xmlns="" val="20001"/>
                     </a:ext>
                   </a:extLst>
                 </a:gridCol>
@@ -36243,7 +36231,7 @@
                 </a:tc>
                 <a:extLst>
                   <a:ext uri="{0D108BD9-81ED-4DB2-BD59-A6C34878D82A}">
-                    <a16:rowId xmlns="" xmlns:a16="http://schemas.microsoft.com/office/drawing/2014/main" val="679667022"/>
+                    <a16:rowId xmlns:a16="http://schemas.microsoft.com/office/drawing/2014/main" xmlns="" val="679667022"/>
                   </a:ext>
                 </a:extLst>
               </a:tr>
@@ -36294,7 +36282,7 @@
                 </a:tc>
                 <a:extLst>
                   <a:ext uri="{0D108BD9-81ED-4DB2-BD59-A6C34878D82A}">
-                    <a16:rowId xmlns="" xmlns:a16="http://schemas.microsoft.com/office/drawing/2014/main" val="2034482246"/>
+                    <a16:rowId xmlns:a16="http://schemas.microsoft.com/office/drawing/2014/main" xmlns="" val="2034482246"/>
                   </a:ext>
                 </a:extLst>
               </a:tr>
@@ -36341,7 +36329,7 @@
                 </a:tc>
                 <a:extLst>
                   <a:ext uri="{0D108BD9-81ED-4DB2-BD59-A6C34878D82A}">
-                    <a16:rowId xmlns="" xmlns:a16="http://schemas.microsoft.com/office/drawing/2014/main" val="10002"/>
+                    <a16:rowId xmlns:a16="http://schemas.microsoft.com/office/drawing/2014/main" xmlns="" val="10002"/>
                   </a:ext>
                 </a:extLst>
               </a:tr>
@@ -36393,7 +36381,7 @@
                 </a:tc>
                 <a:extLst>
                   <a:ext uri="{0D108BD9-81ED-4DB2-BD59-A6C34878D82A}">
-                    <a16:rowId xmlns="" xmlns:a16="http://schemas.microsoft.com/office/drawing/2014/main" val="10003"/>
+                    <a16:rowId xmlns:a16="http://schemas.microsoft.com/office/drawing/2014/main" xmlns="" val="10003"/>
                   </a:ext>
                 </a:extLst>
               </a:tr>
@@ -36445,7 +36433,7 @@
                 </a:tc>
                 <a:extLst>
                   <a:ext uri="{0D108BD9-81ED-4DB2-BD59-A6C34878D82A}">
-                    <a16:rowId xmlns="" xmlns:a16="http://schemas.microsoft.com/office/drawing/2014/main" val="10004"/>
+                    <a16:rowId xmlns:a16="http://schemas.microsoft.com/office/drawing/2014/main" xmlns="" val="10004"/>
                   </a:ext>
                 </a:extLst>
               </a:tr>
@@ -36824,21 +36812,21 @@
                 <a:gridCol w="2672822">
                   <a:extLst>
                     <a:ext uri="{9D8B030D-6E8A-4147-A177-3AD203B41FA5}">
-                      <a16:colId xmlns="" xmlns:a16="http://schemas.microsoft.com/office/drawing/2014/main" val="48614039"/>
+                      <a16:colId xmlns:a16="http://schemas.microsoft.com/office/drawing/2014/main" xmlns="" val="48614039"/>
                     </a:ext>
                   </a:extLst>
                 </a:gridCol>
                 <a:gridCol w="3149600">
                   <a:extLst>
                     <a:ext uri="{9D8B030D-6E8A-4147-A177-3AD203B41FA5}">
-                      <a16:colId xmlns="" xmlns:a16="http://schemas.microsoft.com/office/drawing/2014/main" val="20001"/>
+                      <a16:colId xmlns:a16="http://schemas.microsoft.com/office/drawing/2014/main" xmlns="" val="20001"/>
                     </a:ext>
                   </a:extLst>
                 </a:gridCol>
                 <a:gridCol w="4975757">
                   <a:extLst>
                     <a:ext uri="{9D8B030D-6E8A-4147-A177-3AD203B41FA5}">
-                      <a16:colId xmlns="" xmlns:a16="http://schemas.microsoft.com/office/drawing/2014/main" val="20002"/>
+                      <a16:colId xmlns:a16="http://schemas.microsoft.com/office/drawing/2014/main" xmlns="" val="20002"/>
                     </a:ext>
                   </a:extLst>
                 </a:gridCol>
@@ -36912,7 +36900,7 @@
                 </a:tc>
                 <a:extLst>
                   <a:ext uri="{0D108BD9-81ED-4DB2-BD59-A6C34878D82A}">
-                    <a16:rowId xmlns="" xmlns:a16="http://schemas.microsoft.com/office/drawing/2014/main" val="679667022"/>
+                    <a16:rowId xmlns:a16="http://schemas.microsoft.com/office/drawing/2014/main" xmlns="" val="679667022"/>
                   </a:ext>
                 </a:extLst>
               </a:tr>
@@ -37028,7 +37016,7 @@
                 </a:tc>
                 <a:extLst>
                   <a:ext uri="{0D108BD9-81ED-4DB2-BD59-A6C34878D82A}">
-                    <a16:rowId xmlns="" xmlns:a16="http://schemas.microsoft.com/office/drawing/2014/main" val="2034482246"/>
+                    <a16:rowId xmlns:a16="http://schemas.microsoft.com/office/drawing/2014/main" xmlns="" val="2034482246"/>
                   </a:ext>
                 </a:extLst>
               </a:tr>
@@ -37190,7 +37178,7 @@
                 </a:tc>
                 <a:extLst>
                   <a:ext uri="{0D108BD9-81ED-4DB2-BD59-A6C34878D82A}">
-                    <a16:rowId xmlns="" xmlns:a16="http://schemas.microsoft.com/office/drawing/2014/main" val="10002"/>
+                    <a16:rowId xmlns:a16="http://schemas.microsoft.com/office/drawing/2014/main" xmlns="" val="10002"/>
                   </a:ext>
                 </a:extLst>
               </a:tr>
@@ -37352,7 +37340,7 @@
                 </a:tc>
                 <a:extLst>
                   <a:ext uri="{0D108BD9-81ED-4DB2-BD59-A6C34878D82A}">
-                    <a16:rowId xmlns="" xmlns:a16="http://schemas.microsoft.com/office/drawing/2014/main" val="10003"/>
+                    <a16:rowId xmlns:a16="http://schemas.microsoft.com/office/drawing/2014/main" xmlns="" val="10003"/>
                   </a:ext>
                 </a:extLst>
               </a:tr>
@@ -37717,21 +37705,21 @@
                 <a:gridCol w="1267355">
                   <a:extLst>
                     <a:ext uri="{9D8B030D-6E8A-4147-A177-3AD203B41FA5}">
-                      <a16:colId xmlns="" xmlns:a16="http://schemas.microsoft.com/office/drawing/2014/main" val="48614039"/>
+                      <a16:colId xmlns:a16="http://schemas.microsoft.com/office/drawing/2014/main" xmlns="" val="48614039"/>
                     </a:ext>
                   </a:extLst>
                 </a:gridCol>
                 <a:gridCol w="4453466">
                   <a:extLst>
                     <a:ext uri="{9D8B030D-6E8A-4147-A177-3AD203B41FA5}">
-                      <a16:colId xmlns="" xmlns:a16="http://schemas.microsoft.com/office/drawing/2014/main" val="20001"/>
+                      <a16:colId xmlns:a16="http://schemas.microsoft.com/office/drawing/2014/main" xmlns="" val="20001"/>
                     </a:ext>
                   </a:extLst>
                 </a:gridCol>
                 <a:gridCol w="5077358">
                   <a:extLst>
                     <a:ext uri="{9D8B030D-6E8A-4147-A177-3AD203B41FA5}">
-                      <a16:colId xmlns="" xmlns:a16="http://schemas.microsoft.com/office/drawing/2014/main" val="20002"/>
+                      <a16:colId xmlns:a16="http://schemas.microsoft.com/office/drawing/2014/main" xmlns="" val="20002"/>
                     </a:ext>
                   </a:extLst>
                 </a:gridCol>
@@ -37805,7 +37793,7 @@
                 </a:tc>
                 <a:extLst>
                   <a:ext uri="{0D108BD9-81ED-4DB2-BD59-A6C34878D82A}">
-                    <a16:rowId xmlns="" xmlns:a16="http://schemas.microsoft.com/office/drawing/2014/main" val="679667022"/>
+                    <a16:rowId xmlns:a16="http://schemas.microsoft.com/office/drawing/2014/main" xmlns="" val="679667022"/>
                   </a:ext>
                 </a:extLst>
               </a:tr>
@@ -37951,7 +37939,7 @@
                 </a:tc>
                 <a:extLst>
                   <a:ext uri="{0D108BD9-81ED-4DB2-BD59-A6C34878D82A}">
-                    <a16:rowId xmlns="" xmlns:a16="http://schemas.microsoft.com/office/drawing/2014/main" val="2034482246"/>
+                    <a16:rowId xmlns:a16="http://schemas.microsoft.com/office/drawing/2014/main" xmlns="" val="2034482246"/>
                   </a:ext>
                 </a:extLst>
               </a:tr>
@@ -38080,7 +38068,7 @@
                 </a:tc>
                 <a:extLst>
                   <a:ext uri="{0D108BD9-81ED-4DB2-BD59-A6C34878D82A}">
-                    <a16:rowId xmlns="" xmlns:a16="http://schemas.microsoft.com/office/drawing/2014/main" val="10002"/>
+                    <a16:rowId xmlns:a16="http://schemas.microsoft.com/office/drawing/2014/main" xmlns="" val="10002"/>
                   </a:ext>
                 </a:extLst>
               </a:tr>
@@ -38212,7 +38200,7 @@
                 </a:tc>
                 <a:extLst>
                   <a:ext uri="{0D108BD9-81ED-4DB2-BD59-A6C34878D82A}">
-                    <a16:rowId xmlns="" xmlns:a16="http://schemas.microsoft.com/office/drawing/2014/main" val="10003"/>
+                    <a16:rowId xmlns:a16="http://schemas.microsoft.com/office/drawing/2014/main" xmlns="" val="10003"/>
                   </a:ext>
                 </a:extLst>
               </a:tr>
@@ -38826,7 +38814,7 @@
   <a:extraClrSchemeLst/>
   <a:extLst>
     <a:ext uri="{05A4C25C-085E-4340-85A3-A5531E510DB2}">
-      <thm15:themeFamily xmlns="" xmlns:thm15="http://schemas.microsoft.com/office/thememl/2012/main" name="Azure4ResearchTemplate" id="{DD1C6CE8-BDBA-0D4F-9930-3643ABC8EF0E}" vid="{B5C66FD7-0952-994B-96D6-AB3BB89097FE}"/>
+      <thm15:themeFamily xmlns:thm15="http://schemas.microsoft.com/office/thememl/2012/main" xmlns="" name="Azure4ResearchTemplate" id="{DD1C6CE8-BDBA-0D4F-9930-3643ABC8EF0E}" vid="{B5C66FD7-0952-994B-96D6-AB3BB89097FE}"/>
     </a:ext>
   </a:extLst>
 </a:theme>
@@ -39159,7 +39147,7 @@
   <a:extraClrSchemeLst/>
   <a:extLst>
     <a:ext uri="{05A4C25C-085E-4340-85A3-A5531E510DB2}">
-      <thm15:themeFamily xmlns="" xmlns:thm15="http://schemas.microsoft.com/office/thememl/2012/main" name="Azure4ResearchTemplate" id="{DD1C6CE8-BDBA-0D4F-9930-3643ABC8EF0E}" vid="{B5C66FD7-0952-994B-96D6-AB3BB89097FE}"/>
+      <thm15:themeFamily xmlns:thm15="http://schemas.microsoft.com/office/thememl/2012/main" xmlns="" name="Azure4ResearchTemplate" id="{DD1C6CE8-BDBA-0D4F-9930-3643ABC8EF0E}" vid="{B5C66FD7-0952-994B-96D6-AB3BB89097FE}"/>
     </a:ext>
   </a:extLst>
 </a:theme>
@@ -39428,7 +39416,7 @@
   <a:extraClrSchemeLst/>
   <a:extLst>
     <a:ext uri="{05A4C25C-085E-4340-85A3-A5531E510DB2}">
-      <thm15:themeFamily xmlns="" xmlns:thm15="http://schemas.microsoft.com/office/thememl/2012/main" name="Office Theme" id="{62F939B6-93AF-4DB8-9C6B-D6C7DFDC589F}" vid="{4A3C46E8-61CC-4603-A589-7422A47A8E4A}"/>
+      <thm15:themeFamily xmlns:thm15="http://schemas.microsoft.com/office/thememl/2012/main" xmlns="" name="Office Theme" id="{62F939B6-93AF-4DB8-9C6B-D6C7DFDC589F}" vid="{4A3C46E8-61CC-4603-A589-7422A47A8E4A}"/>
     </a:ext>
   </a:extLst>
 </a:theme>
@@ -39689,7 +39677,7 @@
   <a:extraClrSchemeLst/>
   <a:extLst>
     <a:ext uri="{05A4C25C-085E-4340-85A3-A5531E510DB2}">
-      <thm15:themeFamily xmlns="" xmlns:thm15="http://schemas.microsoft.com/office/thememl/2012/main" name="Office Theme" id="{62F939B6-93AF-4DB8-9C6B-D6C7DFDC589F}" vid="{4A3C46E8-61CC-4603-A589-7422A47A8E4A}"/>
+      <thm15:themeFamily xmlns:thm15="http://schemas.microsoft.com/office/thememl/2012/main" xmlns="" name="Office Theme" id="{62F939B6-93AF-4DB8-9C6B-D6C7DFDC589F}" vid="{4A3C46E8-61CC-4603-A589-7422A47A8E4A}"/>
     </a:ext>
   </a:extLst>
 </a:theme>
